--- a/assets/posts/2016-06-25-wardley-map-template.pptx
+++ b/assets/posts/2016-06-25-wardley-map-template.pptx
@@ -6,7 +6,8 @@
   </p:sldMasterIdLst>
   <p:sldIdLst>
     <p:sldId id="256" r:id="rId2"/>
-    <p:sldId id="258" r:id="rId3"/>
+    <p:sldId id="260" r:id="rId3"/>
+    <p:sldId id="259" r:id="rId4"/>
   </p:sldIdLst>
   <p:sldSz cx="9144000" cy="6858000" type="screen4x3"/>
   <p:notesSz cx="6858000" cy="9144000"/>
@@ -289,7 +290,7 @@
           <a:p>
             <a:fld id="{4B79EC0B-C1E6-426D-9C54-2BB05F27EB07}" type="datetimeFigureOut">
               <a:rPr lang="en-US" smtClean="0"/>
-              <a:t>6/25/16</a:t>
+              <a:t>4/7/17</a:t>
             </a:fld>
             <a:endParaRPr lang="en-US"/>
           </a:p>
@@ -454,7 +455,7 @@
           <a:p>
             <a:fld id="{4B79EC0B-C1E6-426D-9C54-2BB05F27EB07}" type="datetimeFigureOut">
               <a:rPr lang="en-US" smtClean="0"/>
-              <a:t>6/25/16</a:t>
+              <a:t>4/7/17</a:t>
             </a:fld>
             <a:endParaRPr lang="en-US"/>
           </a:p>
@@ -629,7 +630,7 @@
           <a:p>
             <a:fld id="{4B79EC0B-C1E6-426D-9C54-2BB05F27EB07}" type="datetimeFigureOut">
               <a:rPr lang="en-US" smtClean="0"/>
-              <a:t>6/25/16</a:t>
+              <a:t>4/7/17</a:t>
             </a:fld>
             <a:endParaRPr lang="en-US"/>
           </a:p>
@@ -794,7 +795,7 @@
           <a:p>
             <a:fld id="{4B79EC0B-C1E6-426D-9C54-2BB05F27EB07}" type="datetimeFigureOut">
               <a:rPr lang="en-US" smtClean="0"/>
-              <a:t>6/25/16</a:t>
+              <a:t>4/7/17</a:t>
             </a:fld>
             <a:endParaRPr lang="en-US"/>
           </a:p>
@@ -1035,7 +1036,7 @@
           <a:p>
             <a:fld id="{4B79EC0B-C1E6-426D-9C54-2BB05F27EB07}" type="datetimeFigureOut">
               <a:rPr lang="en-US" smtClean="0"/>
-              <a:t>6/25/16</a:t>
+              <a:t>4/7/17</a:t>
             </a:fld>
             <a:endParaRPr lang="en-US"/>
           </a:p>
@@ -1318,7 +1319,7 @@
           <a:p>
             <a:fld id="{4B79EC0B-C1E6-426D-9C54-2BB05F27EB07}" type="datetimeFigureOut">
               <a:rPr lang="en-US" smtClean="0"/>
-              <a:t>6/25/16</a:t>
+              <a:t>4/7/17</a:t>
             </a:fld>
             <a:endParaRPr lang="en-US"/>
           </a:p>
@@ -1735,7 +1736,7 @@
           <a:p>
             <a:fld id="{4B79EC0B-C1E6-426D-9C54-2BB05F27EB07}" type="datetimeFigureOut">
               <a:rPr lang="en-US" smtClean="0"/>
-              <a:t>6/25/16</a:t>
+              <a:t>4/7/17</a:t>
             </a:fld>
             <a:endParaRPr lang="en-US"/>
           </a:p>
@@ -1848,7 +1849,7 @@
           <a:p>
             <a:fld id="{4B79EC0B-C1E6-426D-9C54-2BB05F27EB07}" type="datetimeFigureOut">
               <a:rPr lang="en-US" smtClean="0"/>
-              <a:t>6/25/16</a:t>
+              <a:t>4/7/17</a:t>
             </a:fld>
             <a:endParaRPr lang="en-US"/>
           </a:p>
@@ -1938,7 +1939,7 @@
           <a:p>
             <a:fld id="{4B79EC0B-C1E6-426D-9C54-2BB05F27EB07}" type="datetimeFigureOut">
               <a:rPr lang="en-US" smtClean="0"/>
-              <a:t>6/25/16</a:t>
+              <a:t>4/7/17</a:t>
             </a:fld>
             <a:endParaRPr lang="en-US"/>
           </a:p>
@@ -2210,7 +2211,7 @@
           <a:p>
             <a:fld id="{4B79EC0B-C1E6-426D-9C54-2BB05F27EB07}" type="datetimeFigureOut">
               <a:rPr lang="en-US" smtClean="0"/>
-              <a:t>6/25/16</a:t>
+              <a:t>4/7/17</a:t>
             </a:fld>
             <a:endParaRPr lang="en-US"/>
           </a:p>
@@ -2458,7 +2459,7 @@
           <a:p>
             <a:fld id="{4B79EC0B-C1E6-426D-9C54-2BB05F27EB07}" type="datetimeFigureOut">
               <a:rPr lang="en-US" smtClean="0"/>
-              <a:t>6/25/16</a:t>
+              <a:t>4/7/17</a:t>
             </a:fld>
             <a:endParaRPr lang="en-US"/>
           </a:p>
@@ -2666,7 +2667,7 @@
           <a:p>
             <a:fld id="{4B79EC0B-C1E6-426D-9C54-2BB05F27EB07}" type="datetimeFigureOut">
               <a:rPr lang="en-US" smtClean="0"/>
-              <a:t>6/25/16</a:t>
+              <a:t>4/7/17</a:t>
             </a:fld>
             <a:endParaRPr lang="en-US"/>
           </a:p>
@@ -3040,15 +3041,15 @@
         <p:nvCxnSpPr>
           <p:cNvPr id="52" name="Straight Connector 51"/>
           <p:cNvCxnSpPr>
-            <a:stCxn id="25" idx="1"/>
+            <a:stCxn id="2" idx="2"/>
             <a:endCxn id="46" idx="1"/>
           </p:cNvCxnSpPr>
           <p:nvPr/>
         </p:nvCxnSpPr>
         <p:spPr>
           <a:xfrm flipH="1">
-            <a:off x="3276600" y="838200"/>
-            <a:ext cx="762000" cy="914400"/>
+            <a:off x="3276600" y="841177"/>
+            <a:ext cx="805801" cy="911423"/>
           </a:xfrm>
           <a:prstGeom prst="line">
             <a:avLst/>
@@ -3106,15 +3107,15 @@
         <p:nvCxnSpPr>
           <p:cNvPr id="35" name="Straight Connector 34"/>
           <p:cNvCxnSpPr>
-            <a:stCxn id="25" idx="1"/>
+            <a:stCxn id="2" idx="2"/>
             <a:endCxn id="32" idx="1"/>
           </p:cNvCxnSpPr>
           <p:nvPr/>
         </p:nvCxnSpPr>
         <p:spPr>
           <a:xfrm flipH="1">
-            <a:off x="3733800" y="838200"/>
-            <a:ext cx="304800" cy="2286000"/>
+            <a:off x="3733800" y="841177"/>
+            <a:ext cx="348601" cy="2283023"/>
           </a:xfrm>
           <a:prstGeom prst="line">
             <a:avLst/>
@@ -3168,53 +3169,6 @@
           </a:fontRef>
         </p:style>
       </p:cxnSp>
-      <p:sp>
-        <p:nvSpPr>
-          <p:cNvPr id="25" name="Arc 24"/>
-          <p:cNvSpPr/>
-          <p:nvPr/>
-        </p:nvSpPr>
-        <p:spPr>
-          <a:xfrm>
-            <a:off x="3962400" y="762000"/>
-            <a:ext cx="152400" cy="152400"/>
-          </a:xfrm>
-          <a:prstGeom prst="arc">
-            <a:avLst>
-              <a:gd name="adj1" fmla="val 16200000"/>
-              <a:gd name="adj2" fmla="val 16186737"/>
-            </a:avLst>
-          </a:prstGeom>
-          <a:solidFill>
-            <a:schemeClr val="bg1"/>
-          </a:solidFill>
-        </p:spPr>
-        <p:style>
-          <a:lnRef idx="1">
-            <a:schemeClr val="accent1"/>
-          </a:lnRef>
-          <a:fillRef idx="0">
-            <a:schemeClr val="accent1"/>
-          </a:fillRef>
-          <a:effectRef idx="0">
-            <a:schemeClr val="accent1"/>
-          </a:effectRef>
-          <a:fontRef idx="minor">
-            <a:schemeClr val="tx1"/>
-          </a:fontRef>
-        </p:style>
-        <p:txBody>
-          <a:bodyPr vert="horz" wrap="none" lIns="365760" rtlCol="0" anchor="ctr"/>
-          <a:lstStyle/>
-          <a:p>
-            <a:r>
-              <a:rPr lang="en-US" sz="1200" dirty="0" smtClean="0"/>
-              <a:t>Customer</a:t>
-            </a:r>
-            <a:endParaRPr lang="en-US" sz="1200" dirty="0"/>
-          </a:p>
-        </p:txBody>
-      </p:sp>
       <p:sp>
         <p:nvSpPr>
           <p:cNvPr id="32" name="Arc 31"/>
@@ -3654,6 +3608,36 @@
               <a:t>These nodes can be moved around rather easily, as the lines remain attached to the node center.</a:t>
             </a:r>
             <a:endParaRPr lang="en-US" sz="1600" dirty="0"/>
+          </a:p>
+        </p:txBody>
+      </p:sp>
+      <p:sp>
+        <p:nvSpPr>
+          <p:cNvPr id="2" name="TextBox 1"/>
+          <p:cNvSpPr txBox="1"/>
+          <p:nvPr/>
+        </p:nvSpPr>
+        <p:spPr>
+          <a:xfrm>
+            <a:off x="3821402" y="533400"/>
+            <a:ext cx="521998" cy="307777"/>
+          </a:xfrm>
+          <a:prstGeom prst="rect">
+            <a:avLst/>
+          </a:prstGeom>
+          <a:noFill/>
+        </p:spPr>
+        <p:txBody>
+          <a:bodyPr wrap="none" rtlCol="0">
+            <a:spAutoFit/>
+          </a:bodyPr>
+          <a:lstStyle/>
+          <a:p>
+            <a:r>
+              <a:rPr lang="en-US" sz="1400" dirty="0" smtClean="0"/>
+              <a:t>User</a:t>
+            </a:r>
+            <a:endParaRPr lang="en-US" sz="1400" dirty="0"/>
           </a:p>
         </p:txBody>
       </p:sp>
@@ -3684,16 +3668,488 @@
       </p:grpSpPr>
       <p:grpSp>
         <p:nvGrpSpPr>
-          <p:cNvPr id="2" name="Group 43"/>
+          <p:cNvPr id="18" name="Group 17"/>
+          <p:cNvGrpSpPr/>
+          <p:nvPr/>
+        </p:nvGrpSpPr>
+        <p:grpSpPr>
+          <a:xfrm>
+            <a:off x="361899" y="762000"/>
+            <a:ext cx="476301" cy="5334000"/>
+            <a:chOff x="361899" y="762000"/>
+            <a:chExt cx="476301" cy="5334000"/>
+          </a:xfrm>
+        </p:grpSpPr>
+        <p:cxnSp>
+          <p:nvCxnSpPr>
+            <p:cNvPr id="19" name="Straight Arrow Connector 18"/>
+            <p:cNvCxnSpPr/>
+            <p:nvPr/>
+          </p:nvCxnSpPr>
+          <p:spPr>
+            <a:xfrm flipV="1">
+              <a:off x="838200" y="762000"/>
+              <a:ext cx="0" cy="5334000"/>
+            </a:xfrm>
+            <a:prstGeom prst="straightConnector1">
+              <a:avLst/>
+            </a:prstGeom>
+            <a:ln w="19050">
+              <a:tailEnd type="arrow"/>
+            </a:ln>
+          </p:spPr>
+          <p:style>
+            <a:lnRef idx="1">
+              <a:schemeClr val="accent1"/>
+            </a:lnRef>
+            <a:fillRef idx="0">
+              <a:schemeClr val="accent1"/>
+            </a:fillRef>
+            <a:effectRef idx="0">
+              <a:schemeClr val="accent1"/>
+            </a:effectRef>
+            <a:fontRef idx="minor">
+              <a:schemeClr val="tx1"/>
+            </a:fontRef>
+          </p:style>
+        </p:cxnSp>
+        <p:sp>
+          <p:nvSpPr>
+            <p:cNvPr id="20" name="TextBox 19"/>
+            <p:cNvSpPr txBox="1"/>
+            <p:nvPr/>
+          </p:nvSpPr>
+          <p:spPr>
+            <a:xfrm rot="16200000">
+              <a:off x="-148162" y="3094688"/>
+              <a:ext cx="1420231" cy="400110"/>
+            </a:xfrm>
+            <a:prstGeom prst="rect">
+              <a:avLst/>
+            </a:prstGeom>
+            <a:noFill/>
+          </p:spPr>
+          <p:txBody>
+            <a:bodyPr wrap="none" rtlCol="0">
+              <a:spAutoFit/>
+            </a:bodyPr>
+            <a:lstStyle/>
+            <a:p>
+              <a:r>
+                <a:rPr lang="en-US" sz="2000" dirty="0" smtClean="0"/>
+                <a:t>Value Chain</a:t>
+              </a:r>
+              <a:endParaRPr lang="en-US" sz="2000" dirty="0"/>
+            </a:p>
+          </p:txBody>
+        </p:sp>
+        <p:sp>
+          <p:nvSpPr>
+            <p:cNvPr id="21" name="TextBox 20"/>
+            <p:cNvSpPr txBox="1"/>
+            <p:nvPr/>
+          </p:nvSpPr>
+          <p:spPr>
+            <a:xfrm rot="16200000">
+              <a:off x="291931" y="1003469"/>
+              <a:ext cx="638316" cy="307777"/>
+            </a:xfrm>
+            <a:prstGeom prst="rect">
+              <a:avLst/>
+            </a:prstGeom>
+            <a:noFill/>
+          </p:spPr>
+          <p:txBody>
+            <a:bodyPr wrap="none" rtlCol="0">
+              <a:spAutoFit/>
+            </a:bodyPr>
+            <a:lstStyle/>
+            <a:p>
+              <a:r>
+                <a:rPr lang="en-US" sz="1400" i="1" dirty="0" smtClean="0"/>
+                <a:t>visible</a:t>
+              </a:r>
+              <a:endParaRPr lang="en-US" i="1" dirty="0"/>
+            </a:p>
+          </p:txBody>
+        </p:sp>
+        <p:sp>
+          <p:nvSpPr>
+            <p:cNvPr id="22" name="TextBox 21"/>
+            <p:cNvSpPr txBox="1"/>
+            <p:nvPr/>
+          </p:nvSpPr>
+          <p:spPr>
+            <a:xfrm rot="16200000">
+              <a:off x="226175" y="5412624"/>
+              <a:ext cx="769826" cy="307777"/>
+            </a:xfrm>
+            <a:prstGeom prst="rect">
+              <a:avLst/>
+            </a:prstGeom>
+            <a:noFill/>
+          </p:spPr>
+          <p:txBody>
+            <a:bodyPr wrap="none" rtlCol="0">
+              <a:spAutoFit/>
+            </a:bodyPr>
+            <a:lstStyle/>
+            <a:p>
+              <a:r>
+                <a:rPr lang="en-US" sz="1400" i="1" dirty="0" smtClean="0"/>
+                <a:t>invisible</a:t>
+              </a:r>
+              <a:endParaRPr lang="en-US" i="1" dirty="0"/>
+            </a:p>
+          </p:txBody>
+        </p:sp>
+      </p:grpSp>
+      <p:cxnSp>
+        <p:nvCxnSpPr>
+          <p:cNvPr id="67" name="Straight Connector 66"/>
+          <p:cNvCxnSpPr>
+            <a:stCxn id="80" idx="2"/>
+            <a:endCxn id="79" idx="1"/>
+          </p:cNvCxnSpPr>
+          <p:nvPr/>
+        </p:nvCxnSpPr>
+        <p:spPr>
+          <a:xfrm flipH="1">
+            <a:off x="3276600" y="841177"/>
+            <a:ext cx="805801" cy="911423"/>
+          </a:xfrm>
+          <a:prstGeom prst="line">
+            <a:avLst/>
+          </a:prstGeom>
+        </p:spPr>
+        <p:style>
+          <a:lnRef idx="1">
+            <a:schemeClr val="accent1"/>
+          </a:lnRef>
+          <a:fillRef idx="0">
+            <a:schemeClr val="accent1"/>
+          </a:fillRef>
+          <a:effectRef idx="0">
+            <a:schemeClr val="accent1"/>
+          </a:effectRef>
+          <a:fontRef idx="minor">
+            <a:schemeClr val="tx1"/>
+          </a:fontRef>
+        </p:style>
+      </p:cxnSp>
+      <p:cxnSp>
+        <p:nvCxnSpPr>
+          <p:cNvPr id="69" name="Straight Connector 68"/>
+          <p:cNvCxnSpPr>
+            <a:stCxn id="79" idx="1"/>
+            <a:endCxn id="76" idx="1"/>
+          </p:cNvCxnSpPr>
+          <p:nvPr/>
+        </p:nvCxnSpPr>
+        <p:spPr>
+          <a:xfrm>
+            <a:off x="3276600" y="1752600"/>
+            <a:ext cx="762000" cy="1371600"/>
+          </a:xfrm>
+          <a:prstGeom prst="line">
+            <a:avLst/>
+          </a:prstGeom>
+        </p:spPr>
+        <p:style>
+          <a:lnRef idx="1">
+            <a:schemeClr val="accent1"/>
+          </a:lnRef>
+          <a:fillRef idx="0">
+            <a:schemeClr val="accent1"/>
+          </a:fillRef>
+          <a:effectRef idx="0">
+            <a:schemeClr val="accent1"/>
+          </a:effectRef>
+          <a:fontRef idx="minor">
+            <a:schemeClr val="tx1"/>
+          </a:fontRef>
+        </p:style>
+      </p:cxnSp>
+      <p:cxnSp>
+        <p:nvCxnSpPr>
+          <p:cNvPr id="71" name="Straight Connector 70"/>
+          <p:cNvCxnSpPr>
+            <a:stCxn id="80" idx="2"/>
+            <a:endCxn id="76" idx="1"/>
+          </p:cNvCxnSpPr>
+          <p:nvPr/>
+        </p:nvCxnSpPr>
+        <p:spPr>
+          <a:xfrm flipH="1">
+            <a:off x="4038600" y="841177"/>
+            <a:ext cx="43801" cy="2283023"/>
+          </a:xfrm>
+          <a:prstGeom prst="line">
+            <a:avLst/>
+          </a:prstGeom>
+        </p:spPr>
+        <p:style>
+          <a:lnRef idx="1">
+            <a:schemeClr val="accent1"/>
+          </a:lnRef>
+          <a:fillRef idx="0">
+            <a:schemeClr val="accent1"/>
+          </a:fillRef>
+          <a:effectRef idx="0">
+            <a:schemeClr val="accent1"/>
+          </a:effectRef>
+          <a:fontRef idx="minor">
+            <a:schemeClr val="tx1"/>
+          </a:fontRef>
+        </p:style>
+      </p:cxnSp>
+      <p:cxnSp>
+        <p:nvCxnSpPr>
+          <p:cNvPr id="72" name="Straight Connector 71"/>
+          <p:cNvCxnSpPr>
+            <a:stCxn id="78" idx="1"/>
+            <a:endCxn id="76" idx="1"/>
+          </p:cNvCxnSpPr>
+          <p:nvPr/>
+        </p:nvCxnSpPr>
+        <p:spPr>
+          <a:xfrm flipV="1">
+            <a:off x="4038600" y="3124200"/>
+            <a:ext cx="0" cy="2057400"/>
+          </a:xfrm>
+          <a:prstGeom prst="line">
+            <a:avLst/>
+          </a:prstGeom>
+        </p:spPr>
+        <p:style>
+          <a:lnRef idx="1">
+            <a:schemeClr val="accent1"/>
+          </a:lnRef>
+          <a:fillRef idx="0">
+            <a:schemeClr val="accent1"/>
+          </a:fillRef>
+          <a:effectRef idx="0">
+            <a:schemeClr val="accent1"/>
+          </a:effectRef>
+          <a:fontRef idx="minor">
+            <a:schemeClr val="tx1"/>
+          </a:fontRef>
+        </p:style>
+      </p:cxnSp>
+      <p:sp>
+        <p:nvSpPr>
+          <p:cNvPr id="76" name="Arc 75"/>
+          <p:cNvSpPr/>
+          <p:nvPr/>
+        </p:nvSpPr>
+        <p:spPr>
+          <a:xfrm>
+            <a:off x="3962400" y="3048000"/>
+            <a:ext cx="152400" cy="152400"/>
+          </a:xfrm>
+          <a:prstGeom prst="arc">
+            <a:avLst>
+              <a:gd name="adj1" fmla="val 16200000"/>
+              <a:gd name="adj2" fmla="val 16186737"/>
+            </a:avLst>
+          </a:prstGeom>
+          <a:solidFill>
+            <a:schemeClr val="bg1"/>
+          </a:solidFill>
+        </p:spPr>
+        <p:style>
+          <a:lnRef idx="1">
+            <a:schemeClr val="accent1"/>
+          </a:lnRef>
+          <a:fillRef idx="0">
+            <a:schemeClr val="accent1"/>
+          </a:fillRef>
+          <a:effectRef idx="0">
+            <a:schemeClr val="accent1"/>
+          </a:effectRef>
+          <a:fontRef idx="minor">
+            <a:schemeClr val="tx1"/>
+          </a:fontRef>
+        </p:style>
+        <p:txBody>
+          <a:bodyPr vert="horz" wrap="none" lIns="365760" rtlCol="0" anchor="ctr"/>
+          <a:lstStyle/>
+          <a:p>
+            <a:r>
+              <a:rPr lang="en-US" sz="1200" dirty="0" smtClean="0"/>
+              <a:t>Left-Aligned</a:t>
+            </a:r>
+            <a:endParaRPr lang="en-US" sz="1200" dirty="0"/>
+          </a:p>
+        </p:txBody>
+      </p:sp>
+      <p:sp>
+        <p:nvSpPr>
+          <p:cNvPr id="78" name="Arc 77"/>
+          <p:cNvSpPr/>
+          <p:nvPr/>
+        </p:nvSpPr>
+        <p:spPr>
+          <a:xfrm>
+            <a:off x="3962400" y="5105400"/>
+            <a:ext cx="152400" cy="152400"/>
+          </a:xfrm>
+          <a:prstGeom prst="arc">
+            <a:avLst>
+              <a:gd name="adj1" fmla="val 16200000"/>
+              <a:gd name="adj2" fmla="val 16186737"/>
+            </a:avLst>
+          </a:prstGeom>
+          <a:solidFill>
+            <a:schemeClr val="bg1"/>
+          </a:solidFill>
+        </p:spPr>
+        <p:style>
+          <a:lnRef idx="1">
+            <a:schemeClr val="accent1"/>
+          </a:lnRef>
+          <a:fillRef idx="0">
+            <a:schemeClr val="accent1"/>
+          </a:fillRef>
+          <a:effectRef idx="0">
+            <a:schemeClr val="accent1"/>
+          </a:effectRef>
+          <a:fontRef idx="minor">
+            <a:schemeClr val="tx1"/>
+          </a:fontRef>
+        </p:style>
+        <p:txBody>
+          <a:bodyPr vert="horz" wrap="none" lIns="365760" rtlCol="0" anchor="ctr"/>
+          <a:lstStyle/>
+          <a:p>
+            <a:r>
+              <a:rPr lang="en-US" sz="1200" dirty="0" smtClean="0"/>
+              <a:t>Power</a:t>
+            </a:r>
+            <a:endParaRPr lang="en-US" sz="1200" dirty="0"/>
+          </a:p>
+        </p:txBody>
+      </p:sp>
+      <p:sp>
+        <p:nvSpPr>
+          <p:cNvPr id="79" name="Arc 78"/>
+          <p:cNvSpPr/>
+          <p:nvPr/>
+        </p:nvSpPr>
+        <p:spPr>
+          <a:xfrm>
+            <a:off x="3200400" y="1676400"/>
+            <a:ext cx="152400" cy="152400"/>
+          </a:xfrm>
+          <a:prstGeom prst="arc">
+            <a:avLst>
+              <a:gd name="adj1" fmla="val 16200000"/>
+              <a:gd name="adj2" fmla="val 16186737"/>
+            </a:avLst>
+          </a:prstGeom>
+          <a:solidFill>
+            <a:schemeClr val="bg1"/>
+          </a:solidFill>
+        </p:spPr>
+        <p:style>
+          <a:lnRef idx="1">
+            <a:schemeClr val="accent1"/>
+          </a:lnRef>
+          <a:fillRef idx="0">
+            <a:schemeClr val="accent1"/>
+          </a:fillRef>
+          <a:effectRef idx="0">
+            <a:schemeClr val="accent1"/>
+          </a:effectRef>
+          <a:fontRef idx="minor">
+            <a:schemeClr val="tx1"/>
+          </a:fontRef>
+        </p:style>
+        <p:txBody>
+          <a:bodyPr vert="horz" wrap="none" lIns="91440" rIns="365760" rtlCol="0" anchor="ctr"/>
+          <a:lstStyle/>
+          <a:p>
+            <a:pPr algn="r"/>
+            <a:r>
+              <a:rPr lang="en-US" sz="1200" dirty="0" smtClean="0"/>
+              <a:t>Right-Aligned</a:t>
+            </a:r>
+            <a:endParaRPr lang="en-US" sz="1200" dirty="0"/>
+          </a:p>
+        </p:txBody>
+      </p:sp>
+      <p:sp>
+        <p:nvSpPr>
+          <p:cNvPr id="80" name="TextBox 79"/>
+          <p:cNvSpPr txBox="1"/>
+          <p:nvPr/>
+        </p:nvSpPr>
+        <p:spPr>
+          <a:xfrm>
+            <a:off x="3821402" y="533400"/>
+            <a:ext cx="521998" cy="307777"/>
+          </a:xfrm>
+          <a:prstGeom prst="rect">
+            <a:avLst/>
+          </a:prstGeom>
+          <a:noFill/>
+        </p:spPr>
+        <p:txBody>
+          <a:bodyPr wrap="none" rtlCol="0">
+            <a:spAutoFit/>
+          </a:bodyPr>
+          <a:lstStyle/>
+          <a:p>
+            <a:r>
+              <a:rPr lang="en-US" sz="1400" dirty="0" smtClean="0"/>
+              <a:t>User</a:t>
+            </a:r>
+            <a:endParaRPr lang="en-US" sz="1400" dirty="0"/>
+          </a:p>
+        </p:txBody>
+      </p:sp>
+    </p:spTree>
+    <p:extLst>
+      <p:ext uri="{BB962C8B-B14F-4D97-AF65-F5344CB8AC3E}">
+        <p14:creationId xmlns:p14="http://schemas.microsoft.com/office/powerpoint/2010/main" val="3822723060"/>
+      </p:ext>
+    </p:extLst>
+  </p:cSld>
+  <p:clrMapOvr>
+    <a:masterClrMapping/>
+  </p:clrMapOvr>
+</p:sld>
+</file>
+
+<file path=ppt/slides/slide3.xml><?xml version="1.0" encoding="utf-8"?>
+<p:sld xmlns:a="http://schemas.openxmlformats.org/drawingml/2006/main" xmlns:r="http://schemas.openxmlformats.org/officeDocument/2006/relationships" xmlns:p="http://schemas.openxmlformats.org/presentationml/2006/main">
+  <p:cSld>
+    <p:spTree>
+      <p:nvGrpSpPr>
+        <p:cNvPr id="1" name=""/>
+        <p:cNvGrpSpPr/>
+        <p:nvPr/>
+      </p:nvGrpSpPr>
+      <p:grpSpPr>
+        <a:xfrm>
+          <a:off x="0" y="0"/>
+          <a:ext cx="0" cy="0"/>
+          <a:chOff x="0" y="0"/>
+          <a:chExt cx="0" cy="0"/>
+        </a:xfrm>
+      </p:grpSpPr>
+      <p:grpSp>
+        <p:nvGrpSpPr>
+          <p:cNvPr id="3" name="Group 2"/>
           <p:cNvGrpSpPr/>
           <p:nvPr/>
         </p:nvGrpSpPr>
         <p:grpSpPr>
           <a:xfrm>
             <a:off x="361890" y="533400"/>
-            <a:ext cx="8571021" cy="6162020"/>
+            <a:ext cx="8571021" cy="6251376"/>
             <a:chOff x="361890" y="533400"/>
-            <a:chExt cx="8571021" cy="6162020"/>
+            <a:chExt cx="8571021" cy="6251376"/>
           </a:xfrm>
         </p:grpSpPr>
         <p:cxnSp>
@@ -3890,8 +4346,8 @@
           </p:nvSpPr>
           <p:spPr>
             <a:xfrm>
-              <a:off x="914400" y="6172200"/>
-              <a:ext cx="755335" cy="307777"/>
+              <a:off x="838200" y="6076890"/>
+              <a:ext cx="846719" cy="707886"/>
             </a:xfrm>
             <a:prstGeom prst="rect">
               <a:avLst/>
@@ -3905,10 +4361,30 @@
             <a:lstStyle/>
             <a:p>
               <a:r>
-                <a:rPr lang="en-US" sz="1400" i="1" dirty="0" smtClean="0"/>
+                <a:rPr lang="en-US" sz="1000" i="1" dirty="0" smtClean="0"/>
                 <a:t>Genesis</a:t>
               </a:r>
-              <a:endParaRPr lang="en-US" sz="1400" i="1" dirty="0"/>
+              <a:endParaRPr lang="en-US" sz="1000" i="1" dirty="0"/>
+            </a:p>
+            <a:p>
+              <a:r>
+                <a:rPr lang="en-US" sz="1000" i="1" dirty="0" smtClean="0"/>
+                <a:t>Novel</a:t>
+              </a:r>
+            </a:p>
+            <a:p>
+              <a:r>
+                <a:rPr lang="en-US" sz="1000" i="1" dirty="0" err="1" smtClean="0"/>
+                <a:t>Unmodeled</a:t>
+              </a:r>
+              <a:endParaRPr lang="en-US" sz="1000" i="1" dirty="0" smtClean="0"/>
+            </a:p>
+            <a:p>
+              <a:r>
+                <a:rPr lang="en-US" sz="1000" i="1" dirty="0" smtClean="0"/>
+                <a:t>Concept</a:t>
+              </a:r>
+              <a:endParaRPr lang="en-US" sz="1000" i="1" dirty="0"/>
             </a:p>
           </p:txBody>
         </p:sp>
@@ -3920,8 +4396,8 @@
           </p:nvSpPr>
           <p:spPr>
             <a:xfrm>
-              <a:off x="2845299" y="6172200"/>
-              <a:ext cx="1117101" cy="307777"/>
+              <a:off x="2286000" y="6076890"/>
+              <a:ext cx="786418" cy="707886"/>
             </a:xfrm>
             <a:prstGeom prst="rect">
               <a:avLst/>
@@ -3935,10 +4411,27 @@
             <a:lstStyle/>
             <a:p>
               <a:r>
-                <a:rPr lang="en-US" sz="1400" i="1" dirty="0" smtClean="0"/>
-                <a:t>Custom Built</a:t>
+                <a:rPr lang="en-US" sz="1000" i="1" dirty="0" smtClean="0"/>
+                <a:t>Custom</a:t>
               </a:r>
-              <a:endParaRPr lang="en-US" sz="1400" i="1" dirty="0"/>
+            </a:p>
+            <a:p>
+              <a:r>
+                <a:rPr lang="en-US" sz="1000" i="1" dirty="0" smtClean="0"/>
+                <a:t>Emerging</a:t>
+              </a:r>
+            </a:p>
+            <a:p>
+              <a:r>
+                <a:rPr lang="en-US" sz="1000" i="1" dirty="0" smtClean="0"/>
+                <a:t>Divergent</a:t>
+              </a:r>
+            </a:p>
+            <a:p>
+              <a:r>
+                <a:rPr lang="en-US" sz="1000" i="1" dirty="0" smtClean="0"/>
+                <a:t>Hypothesis</a:t>
+              </a:r>
             </a:p>
           </p:txBody>
         </p:sp>
@@ -3950,8 +4443,8 @@
           </p:nvSpPr>
           <p:spPr>
             <a:xfrm>
-              <a:off x="4830472" y="6172200"/>
-              <a:ext cx="853311" cy="523220"/>
+              <a:off x="4038600" y="6076890"/>
+              <a:ext cx="1131314" cy="707886"/>
             </a:xfrm>
             <a:prstGeom prst="rect">
               <a:avLst/>
@@ -3965,16 +4458,28 @@
             <a:lstStyle/>
             <a:p>
               <a:r>
-                <a:rPr lang="en-US" sz="1400" i="1" dirty="0" smtClean="0"/>
-                <a:t>Product</a:t>
+                <a:rPr lang="en-US" sz="1000" i="1" dirty="0" smtClean="0"/>
+                <a:t>Product (+ rental)</a:t>
               </a:r>
             </a:p>
             <a:p>
               <a:r>
-                <a:rPr lang="en-US" sz="1400" i="1" dirty="0" smtClean="0"/>
-                <a:t>(+ rental)</a:t>
+                <a:rPr lang="en-US" sz="1000" i="1" dirty="0" smtClean="0"/>
+                <a:t>Good</a:t>
               </a:r>
-              <a:endParaRPr lang="en-US" sz="1400" i="1" dirty="0"/>
+            </a:p>
+            <a:p>
+              <a:r>
+                <a:rPr lang="en-US" sz="1000" i="1" dirty="0" smtClean="0"/>
+                <a:t>Convergent</a:t>
+              </a:r>
+            </a:p>
+            <a:p>
+              <a:r>
+                <a:rPr lang="en-US" sz="1000" i="1" dirty="0" smtClean="0"/>
+                <a:t>Theory</a:t>
+              </a:r>
+              <a:endParaRPr lang="en-US" sz="1000" i="1" dirty="0"/>
             </a:p>
           </p:txBody>
         </p:sp>
@@ -3986,8 +4491,8 @@
           </p:nvSpPr>
           <p:spPr>
             <a:xfrm>
-              <a:off x="6705600" y="6172200"/>
-              <a:ext cx="1034257" cy="523220"/>
+              <a:off x="6324600" y="6076890"/>
+              <a:ext cx="1311402" cy="707886"/>
             </a:xfrm>
             <a:prstGeom prst="rect">
               <a:avLst/>
@@ -4001,16 +4506,28 @@
             <a:lstStyle/>
             <a:p>
               <a:r>
-                <a:rPr lang="en-US" sz="1400" i="1" dirty="0" smtClean="0"/>
-                <a:t>Commodity</a:t>
+                <a:rPr lang="en-US" sz="1000" i="1" dirty="0" smtClean="0"/>
+                <a:t>Commodity (+ utility)</a:t>
               </a:r>
             </a:p>
             <a:p>
               <a:r>
-                <a:rPr lang="en-US" sz="1400" i="1" dirty="0" smtClean="0"/>
-                <a:t>(+ utility)</a:t>
+                <a:rPr lang="en-US" sz="1000" i="1" dirty="0" smtClean="0"/>
+                <a:t>Best</a:t>
               </a:r>
-              <a:endParaRPr lang="en-US" sz="1400" i="1" dirty="0"/>
+            </a:p>
+            <a:p>
+              <a:r>
+                <a:rPr lang="en-US" sz="1000" i="1" dirty="0" smtClean="0"/>
+                <a:t>Modeled</a:t>
+              </a:r>
+            </a:p>
+            <a:p>
+              <a:r>
+                <a:rPr lang="en-US" sz="1000" i="1" dirty="0" smtClean="0"/>
+                <a:t>Accepted</a:t>
+              </a:r>
+              <a:endParaRPr lang="en-US" sz="1000" i="1" dirty="0"/>
             </a:p>
           </p:txBody>
         </p:sp>
@@ -4022,7 +4539,7 @@
           </p:nvCxnSpPr>
           <p:spPr>
             <a:xfrm flipV="1">
-              <a:off x="2768600" y="609600"/>
+              <a:off x="2286000" y="609600"/>
               <a:ext cx="0" cy="5486400"/>
             </a:xfrm>
             <a:prstGeom prst="line">
@@ -4055,7 +4572,7 @@
           </p:nvCxnSpPr>
           <p:spPr>
             <a:xfrm flipV="1">
-              <a:off x="4699000" y="609600"/>
+              <a:off x="4038600" y="609600"/>
               <a:ext cx="0" cy="5486400"/>
             </a:xfrm>
             <a:prstGeom prst="line">
@@ -4088,7 +4605,7 @@
           </p:nvCxnSpPr>
           <p:spPr>
             <a:xfrm flipV="1">
-              <a:off x="6629400" y="533400"/>
+              <a:off x="6324600" y="533400"/>
               <a:ext cx="0" cy="5486400"/>
             </a:xfrm>
             <a:prstGeom prst="line">
@@ -4114,19 +4631,68 @@
           </p:style>
         </p:cxnSp>
       </p:grpSp>
+      <p:sp>
+        <p:nvSpPr>
+          <p:cNvPr id="64" name="TextBox 63"/>
+          <p:cNvSpPr txBox="1"/>
+          <p:nvPr/>
+        </p:nvSpPr>
+        <p:spPr>
+          <a:xfrm>
+            <a:off x="76200" y="6073914"/>
+            <a:ext cx="816963" cy="707886"/>
+          </a:xfrm>
+          <a:prstGeom prst="rect">
+            <a:avLst/>
+          </a:prstGeom>
+          <a:noFill/>
+        </p:spPr>
+        <p:txBody>
+          <a:bodyPr wrap="none" rtlCol="0">
+            <a:spAutoFit/>
+          </a:bodyPr>
+          <a:lstStyle/>
+          <a:p>
+            <a:r>
+              <a:rPr lang="en-US" sz="1000" b="1" i="1" dirty="0" smtClean="0"/>
+              <a:t>Activities</a:t>
+            </a:r>
+            <a:endParaRPr lang="en-US" sz="1000" b="1" i="1" dirty="0"/>
+          </a:p>
+          <a:p>
+            <a:r>
+              <a:rPr lang="en-US" sz="1000" b="1" i="1" dirty="0" smtClean="0"/>
+              <a:t>Practices</a:t>
+            </a:r>
+          </a:p>
+          <a:p>
+            <a:r>
+              <a:rPr lang="en-US" sz="1000" b="1" i="1" dirty="0" smtClean="0"/>
+              <a:t>Data</a:t>
+            </a:r>
+          </a:p>
+          <a:p>
+            <a:r>
+              <a:rPr lang="en-US" sz="1000" b="1" i="1" dirty="0" smtClean="0"/>
+              <a:t>Knowledge</a:t>
+            </a:r>
+            <a:endParaRPr lang="en-US" sz="1000" b="1" i="1" dirty="0"/>
+          </a:p>
+        </p:txBody>
+      </p:sp>
       <p:cxnSp>
         <p:nvCxnSpPr>
-          <p:cNvPr id="16" name="Straight Connector 15"/>
+          <p:cNvPr id="28" name="Straight Connector 27"/>
           <p:cNvCxnSpPr>
-            <a:stCxn id="20" idx="1"/>
-            <a:endCxn id="24" idx="1"/>
+            <a:stCxn id="46" idx="2"/>
+            <a:endCxn id="45" idx="1"/>
           </p:cNvCxnSpPr>
           <p:nvPr/>
         </p:nvCxnSpPr>
         <p:spPr>
           <a:xfrm flipH="1">
-            <a:off x="2514600" y="533400"/>
-            <a:ext cx="1828800" cy="990600"/>
+            <a:off x="2819400" y="536377"/>
+            <a:ext cx="1556399" cy="682823"/>
           </a:xfrm>
           <a:prstGeom prst="line">
             <a:avLst/>
@@ -4149,17 +4715,17 @@
       </p:cxnSp>
       <p:cxnSp>
         <p:nvCxnSpPr>
-          <p:cNvPr id="17" name="Straight Connector 16"/>
+          <p:cNvPr id="29" name="Straight Connector 28"/>
           <p:cNvCxnSpPr>
-            <a:stCxn id="24" idx="1"/>
-            <a:endCxn id="21" idx="1"/>
+            <a:stCxn id="45" idx="1"/>
+            <a:endCxn id="40" idx="1"/>
           </p:cNvCxnSpPr>
           <p:nvPr/>
         </p:nvCxnSpPr>
         <p:spPr>
           <a:xfrm>
-            <a:off x="2514600" y="1524000"/>
-            <a:ext cx="3124200" cy="1219200"/>
+            <a:off x="2819400" y="1219200"/>
+            <a:ext cx="3048000" cy="1905000"/>
           </a:xfrm>
           <a:prstGeom prst="line">
             <a:avLst/>
@@ -4182,17 +4748,17 @@
       </p:cxnSp>
       <p:cxnSp>
         <p:nvCxnSpPr>
-          <p:cNvPr id="18" name="Straight Connector 17"/>
+          <p:cNvPr id="30" name="Straight Connector 29"/>
           <p:cNvCxnSpPr>
-            <a:stCxn id="20" idx="1"/>
-            <a:endCxn id="21" idx="1"/>
+            <a:stCxn id="46" idx="2"/>
+            <a:endCxn id="40" idx="1"/>
           </p:cNvCxnSpPr>
           <p:nvPr/>
         </p:nvCxnSpPr>
         <p:spPr>
           <a:xfrm>
-            <a:off x="4343400" y="533400"/>
-            <a:ext cx="1295400" cy="2209800"/>
+            <a:off x="4375799" y="536377"/>
+            <a:ext cx="1491601" cy="2587823"/>
           </a:xfrm>
           <a:prstGeom prst="line">
             <a:avLst/>
@@ -4215,17 +4781,17 @@
       </p:cxnSp>
       <p:cxnSp>
         <p:nvCxnSpPr>
-          <p:cNvPr id="19" name="Straight Connector 18"/>
+          <p:cNvPr id="34" name="Straight Connector 33"/>
           <p:cNvCxnSpPr>
-            <a:stCxn id="23" idx="1"/>
-            <a:endCxn id="21" idx="1"/>
+            <a:stCxn id="44" idx="1"/>
+            <a:endCxn id="40" idx="1"/>
           </p:cNvCxnSpPr>
           <p:nvPr/>
         </p:nvCxnSpPr>
         <p:spPr>
           <a:xfrm flipH="1" flipV="1">
-            <a:off x="5638800" y="2743200"/>
-            <a:ext cx="1371600" cy="3200400"/>
+            <a:off x="5867400" y="3124200"/>
+            <a:ext cx="1066800" cy="2438400"/>
           </a:xfrm>
           <a:prstGeom prst="line">
             <a:avLst/>
@@ -4248,13 +4814,13 @@
       </p:cxnSp>
       <p:sp>
         <p:nvSpPr>
-          <p:cNvPr id="20" name="Arc 19"/>
+          <p:cNvPr id="40" name="Arc 39"/>
           <p:cNvSpPr/>
           <p:nvPr/>
         </p:nvSpPr>
         <p:spPr>
           <a:xfrm>
-            <a:off x="4267200" y="457200"/>
+            <a:off x="5791200" y="3048000"/>
             <a:ext cx="152400" cy="152400"/>
           </a:xfrm>
           <a:prstGeom prst="arc">
@@ -4287,7 +4853,7 @@
           <a:p>
             <a:r>
               <a:rPr lang="en-US" sz="1200" dirty="0" smtClean="0"/>
-              <a:t>Customer</a:t>
+              <a:t>Left-Aligned</a:t>
             </a:r>
             <a:endParaRPr lang="en-US" sz="1200" dirty="0"/>
           </a:p>
@@ -4295,13 +4861,13 @@
       </p:sp>
       <p:sp>
         <p:nvSpPr>
-          <p:cNvPr id="21" name="Arc 20"/>
+          <p:cNvPr id="44" name="Arc 43"/>
           <p:cNvSpPr/>
           <p:nvPr/>
         </p:nvSpPr>
         <p:spPr>
           <a:xfrm>
-            <a:off x="5562600" y="2667000"/>
+            <a:off x="6858000" y="5486400"/>
             <a:ext cx="152400" cy="152400"/>
           </a:xfrm>
           <a:prstGeom prst="arc">
@@ -4334,7 +4900,7 @@
           <a:p>
             <a:r>
               <a:rPr lang="en-US" sz="1200" dirty="0" smtClean="0"/>
-              <a:t>Left-Aligned</a:t>
+              <a:t>Power</a:t>
             </a:r>
             <a:endParaRPr lang="en-US" sz="1200" dirty="0"/>
           </a:p>
@@ -4342,13 +4908,13 @@
       </p:sp>
       <p:sp>
         <p:nvSpPr>
-          <p:cNvPr id="23" name="Arc 22"/>
+          <p:cNvPr id="45" name="Arc 44"/>
           <p:cNvSpPr/>
           <p:nvPr/>
         </p:nvSpPr>
         <p:spPr>
           <a:xfrm>
-            <a:off x="6934200" y="5867400"/>
+            <a:off x="2743200" y="1143000"/>
             <a:ext cx="152400" cy="152400"/>
           </a:xfrm>
           <a:prstGeom prst="arc">
@@ -4376,53 +4942,6 @@
           </a:fontRef>
         </p:style>
         <p:txBody>
-          <a:bodyPr vert="horz" wrap="none" lIns="365760" rtlCol="0" anchor="ctr"/>
-          <a:lstStyle/>
-          <a:p>
-            <a:r>
-              <a:rPr lang="en-US" sz="1200" dirty="0" smtClean="0"/>
-              <a:t>Power</a:t>
-            </a:r>
-            <a:endParaRPr lang="en-US" sz="1200" dirty="0"/>
-          </a:p>
-        </p:txBody>
-      </p:sp>
-      <p:sp>
-        <p:nvSpPr>
-          <p:cNvPr id="24" name="Arc 23"/>
-          <p:cNvSpPr/>
-          <p:nvPr/>
-        </p:nvSpPr>
-        <p:spPr>
-          <a:xfrm>
-            <a:off x="2438400" y="1447800"/>
-            <a:ext cx="152400" cy="152400"/>
-          </a:xfrm>
-          <a:prstGeom prst="arc">
-            <a:avLst>
-              <a:gd name="adj1" fmla="val 16200000"/>
-              <a:gd name="adj2" fmla="val 16186737"/>
-            </a:avLst>
-          </a:prstGeom>
-          <a:solidFill>
-            <a:schemeClr val="bg1"/>
-          </a:solidFill>
-        </p:spPr>
-        <p:style>
-          <a:lnRef idx="1">
-            <a:schemeClr val="accent1"/>
-          </a:lnRef>
-          <a:fillRef idx="0">
-            <a:schemeClr val="accent1"/>
-          </a:fillRef>
-          <a:effectRef idx="0">
-            <a:schemeClr val="accent1"/>
-          </a:effectRef>
-          <a:fontRef idx="minor">
-            <a:schemeClr val="tx1"/>
-          </a:fontRef>
-        </p:style>
-        <p:txBody>
           <a:bodyPr vert="horz" wrap="none" lIns="91440" rIns="365760" rtlCol="0" anchor="ctr"/>
           <a:lstStyle/>
           <a:p>
@@ -4435,7 +4954,42 @@
           </a:p>
         </p:txBody>
       </p:sp>
+      <p:sp>
+        <p:nvSpPr>
+          <p:cNvPr id="46" name="TextBox 45"/>
+          <p:cNvSpPr txBox="1"/>
+          <p:nvPr/>
+        </p:nvSpPr>
+        <p:spPr>
+          <a:xfrm>
+            <a:off x="4114800" y="228600"/>
+            <a:ext cx="521998" cy="307777"/>
+          </a:xfrm>
+          <a:prstGeom prst="rect">
+            <a:avLst/>
+          </a:prstGeom>
+          <a:noFill/>
+        </p:spPr>
+        <p:txBody>
+          <a:bodyPr wrap="none" rtlCol="0">
+            <a:spAutoFit/>
+          </a:bodyPr>
+          <a:lstStyle/>
+          <a:p>
+            <a:r>
+              <a:rPr lang="en-US" sz="1400" dirty="0" smtClean="0"/>
+              <a:t>User</a:t>
+            </a:r>
+            <a:endParaRPr lang="en-US" sz="1400" dirty="0"/>
+          </a:p>
+        </p:txBody>
+      </p:sp>
     </p:spTree>
+    <p:extLst>
+      <p:ext uri="{BB962C8B-B14F-4D97-AF65-F5344CB8AC3E}">
+        <p14:creationId xmlns:p14="http://schemas.microsoft.com/office/powerpoint/2010/main" val="947816139"/>
+      </p:ext>
+    </p:extLst>
   </p:cSld>
   <p:clrMapOvr>
     <a:masterClrMapping/>
